--- a/Exploratory Data Analysis.pptx
+++ b/Exploratory Data Analysis.pptx
@@ -4784,7 +4784,7 @@
           <a:lstStyle/>
           <a:p>
             <a:r>
-              <a:rPr lang="en-US" kern="1200">
+              <a:rPr lang="en-US" kern="1200" dirty="0">
                 <a:solidFill>
                   <a:srgbClr val="FFFFFF"/>
                 </a:solidFill>
@@ -4792,7 +4792,7 @@
                 <a:ea typeface="+mj-ea"/>
                 <a:cs typeface="+mj-cs"/>
               </a:rPr>
-              <a:t>Vehicle Related Incidents Spike in 2006 to 2007</a:t>
+              <a:t>Vehicle Related Incidents Rise in 2007</a:t>
             </a:r>
           </a:p>
         </p:txBody>
@@ -4992,7 +4992,7 @@
           <a:lstStyle/>
           <a:p>
             <a:r>
-              <a:rPr lang="en-US" kern="1200">
+              <a:rPr lang="en-US" kern="1200" dirty="0">
                 <a:solidFill>
                   <a:srgbClr val="FFFFFF"/>
                 </a:solidFill>
@@ -5000,7 +5000,7 @@
                 <a:ea typeface="+mj-ea"/>
                 <a:cs typeface="+mj-cs"/>
               </a:rPr>
-              <a:t>Vehicle Related Incidents Spike in 2006 to 2007</a:t>
+              <a:t>Vehicle Related Incidents Rise in 2007</a:t>
             </a:r>
           </a:p>
         </p:txBody>
@@ -5046,7 +5046,7 @@
             </a:r>
             <a:r>
               <a:rPr lang="en-US" sz="2000" b="1" dirty="0"/>
-              <a:t>number of overall incidents remains relatively constant</a:t>
+              <a:t>number of overall incidents does not show the same trend</a:t>
             </a:r>
           </a:p>
         </p:txBody>
@@ -5246,7 +5246,7 @@
           <a:lstStyle/>
           <a:p>
             <a:r>
-              <a:rPr lang="en-US" kern="1200">
+              <a:rPr lang="en-US" kern="1200" dirty="0">
                 <a:solidFill>
                   <a:srgbClr val="FFFFFF"/>
                 </a:solidFill>
@@ -5282,35 +5282,67 @@
         </p:spPr>
         <p:txBody>
           <a:bodyPr vert="horz" lIns="91440" tIns="45720" rIns="91440" bIns="45720" rtlCol="0" anchor="ctr">
-            <a:normAutofit/>
+            <a:normAutofit fontScale="85000" lnSpcReduction="10000"/>
           </a:bodyPr>
           <a:lstStyle/>
           <a:p>
-            <a:pPr>
+            <a:pPr marL="342900" indent="-342900">
               <a:lnSpc>
                 <a:spcPct val="90000"/>
               </a:lnSpc>
               <a:spcAft>
                 <a:spcPts val="600"/>
               </a:spcAft>
+              <a:buFont typeface="Arial" panose="020B0604020202020204" pitchFamily="34" charset="0"/>
+              <a:buChar char="•"/>
             </a:pPr>
             <a:r>
               <a:rPr lang="en-US" sz="2000" dirty="0"/>
-              <a:t>*Not depicted, a fire station resides within a Battalion.</a:t>
-            </a:r>
-          </a:p>
-          <a:p>
-            <a:pPr>
+              <a:t>Not depicted, but a fire station resides within a Battalion</a:t>
+            </a:r>
+          </a:p>
+          <a:p>
+            <a:pPr marL="342900" indent="-342900">
               <a:lnSpc>
                 <a:spcPct val="90000"/>
               </a:lnSpc>
               <a:spcAft>
                 <a:spcPts val="600"/>
               </a:spcAft>
+              <a:buFont typeface="Arial" panose="020B0604020202020204" pitchFamily="34" charset="0"/>
+              <a:buChar char="•"/>
             </a:pPr>
             <a:r>
               <a:rPr lang="en-US" sz="2000" dirty="0"/>
-              <a:t>**Most fire stations serve one neighborhood, but some serve multiple</a:t>
+              <a:t>Most fire stations serve one neighborhood, but some serve multiple</a:t>
+            </a:r>
+          </a:p>
+          <a:p>
+            <a:pPr marL="342900" indent="-342900">
+              <a:lnSpc>
+                <a:spcPct val="90000"/>
+              </a:lnSpc>
+              <a:spcAft>
+                <a:spcPts val="600"/>
+              </a:spcAft>
+              <a:buFont typeface="Arial" panose="020B0604020202020204" pitchFamily="34" charset="0"/>
+              <a:buChar char="•"/>
+            </a:pPr>
+            <a:r>
+              <a:rPr lang="en-US" sz="2000" dirty="0" err="1"/>
+              <a:t>TruckEngineServiceCalls</a:t>
+            </a:r>
+            <a:r>
+              <a:rPr lang="en-US" sz="2000" dirty="0"/>
+              <a:t> – this is the </a:t>
+            </a:r>
+            <a:r>
+              <a:rPr lang="en-US" sz="2000" i="1" dirty="0"/>
+              <a:t>Fire Service Calls</a:t>
+            </a:r>
+            <a:r>
+              <a:rPr lang="en-US" sz="2000" dirty="0"/>
+              <a:t> dataset filtered for Responding Units that are either Truck or Engine (only)</a:t>
             </a:r>
           </a:p>
         </p:txBody>
@@ -5518,7 +5550,7 @@
                 <a:ea typeface="+mj-ea"/>
                 <a:cs typeface="+mj-cs"/>
               </a:rPr>
-              <a:t>Unit Naming Convention Links Unit to Station</a:t>
+              <a:t>Unit can be Linked to its Station via Naming Convention</a:t>
             </a:r>
           </a:p>
         </p:txBody>
@@ -5678,8 +5710,8 @@
         </p:nvSpPr>
         <p:spPr>
           <a:xfrm>
-            <a:off x="4781550" y="5080234"/>
-            <a:ext cx="6248400" cy="369332"/>
+            <a:off x="4713402" y="4719152"/>
+            <a:ext cx="6442277" cy="923330"/>
           </a:xfrm>
           <a:prstGeom prst="rect">
             <a:avLst/>
@@ -5692,10 +5724,34 @@
           </a:bodyPr>
           <a:lstStyle/>
           <a:p>
+            <a:pPr marL="285750" indent="-285750">
+              <a:buFont typeface="Arial" panose="020B0604020202020204" pitchFamily="34" charset="0"/>
+              <a:buChar char="•"/>
+            </a:pPr>
             <a:r>
               <a:rPr lang="en-US" dirty="0"/>
+              <a:t>Small dataset that can be manually mapped and verified</a:t>
+            </a:r>
+          </a:p>
+          <a:p>
+            <a:pPr marL="285750" indent="-285750">
+              <a:buFont typeface="Arial" panose="020B0604020202020204" pitchFamily="34" charset="0"/>
+              <a:buChar char="•"/>
+            </a:pPr>
+            <a:r>
+              <a:rPr lang="en-US" dirty="0">
+                <a:hlinkClick r:id="rId3"/>
+              </a:rPr>
               <a:t>https://en.wikipedia.org/wiki/San_Francisco_Fire_Department</a:t>
             </a:r>
+            <a:endParaRPr lang="en-US" dirty="0"/>
+          </a:p>
+          <a:p>
+            <a:pPr marL="285750" indent="-285750">
+              <a:buFont typeface="Arial" panose="020B0604020202020204" pitchFamily="34" charset="0"/>
+              <a:buChar char="•"/>
+            </a:pPr>
+            <a:endParaRPr lang="en-US" dirty="0"/>
           </a:p>
         </p:txBody>
       </p:sp>
@@ -6394,7 +6450,7 @@
             </a:pPr>
             <a:r>
               <a:rPr lang="en-US" sz="2000" dirty="0"/>
-              <a:t>The difference in these two metrics could be used to denote the “travel time” of an individual unit</a:t>
+              <a:t>The difference in the below two metrics could be used to denote the “travel time” of an individual unit</a:t>
             </a:r>
           </a:p>
           <a:p>
@@ -7210,7 +7266,7 @@
         <p:spPr>
           <a:xfrm>
             <a:off x="466722" y="586855"/>
-            <a:ext cx="3201366" cy="3387497"/>
+            <a:ext cx="3201366" cy="3567134"/>
           </a:xfrm>
         </p:spPr>
         <p:txBody>
@@ -7221,12 +7277,12 @@
           <a:p>
             <a:pPr algn="r"/>
             <a:r>
-              <a:rPr lang="en-US" sz="4000">
+              <a:rPr lang="en-US" sz="4000" dirty="0">
                 <a:solidFill>
                   <a:srgbClr val="FFFFFF"/>
                 </a:solidFill>
               </a:rPr>
-              <a:t>Station Analysis Approach</a:t>
+              <a:t>Which Stations have the most travel times that exceed 9 minutes?</a:t>
             </a:r>
           </a:p>
         </p:txBody>
@@ -7264,7 +7320,7 @@
           <a:p>
             <a:r>
               <a:rPr lang="en-US" sz="1900" dirty="0"/>
-              <a:t>Collected unit and station data and logically tied individual Units to their respective stations (based on naming convention supported by Wikipedia article)</a:t>
+              <a:t>Collected unit and fire station data and logically tied individual Units to their respective stations (based on naming convention supported by Wikipedia article)</a:t>
             </a:r>
           </a:p>
           <a:p>
@@ -7308,7 +7364,7 @@
             </a:r>
             <a:r>
               <a:rPr lang="en-US" sz="1900" b="1" dirty="0"/>
-              <a:t>Count of Long Travel times per Unit to the station level</a:t>
+              <a:t>Count of Long Travel times per Unit to the station level (i.e., count of long travel times, per station)</a:t>
             </a:r>
           </a:p>
           <a:p>
@@ -7695,6 +7751,114 @@
           </a:prstGeom>
         </p:spPr>
       </p:pic>
+      <p:sp>
+        <p:nvSpPr>
+          <p:cNvPr id="8" name="Title 1">
+            <a:extLst>
+              <a:ext uri="{FF2B5EF4-FFF2-40B4-BE49-F238E27FC236}">
+                <a16:creationId xmlns:a16="http://schemas.microsoft.com/office/drawing/2014/main" id="{145BCA4E-F2F2-48B1-8266-A86068E7DBC8}"/>
+              </a:ext>
+            </a:extLst>
+          </p:cNvPr>
+          <p:cNvSpPr>
+            <a:spLocks noGrp="1"/>
+          </p:cNvSpPr>
+          <p:nvPr>
+            <p:ph type="title"/>
+          </p:nvPr>
+        </p:nvSpPr>
+        <p:spPr>
+          <a:xfrm>
+            <a:off x="9562010" y="1295893"/>
+            <a:ext cx="2629989" cy="1656313"/>
+          </a:xfrm>
+        </p:spPr>
+        <p:txBody>
+          <a:bodyPr anchor="b">
+            <a:normAutofit fontScale="90000"/>
+          </a:bodyPr>
+          <a:lstStyle/>
+          <a:p>
+            <a:r>
+              <a:rPr lang="en-US" sz="4000" dirty="0">
+                <a:solidFill>
+                  <a:srgbClr val="FFFFFF"/>
+                </a:solidFill>
+              </a:rPr>
+              <a:t>Possible Next Steps…</a:t>
+            </a:r>
+            <a:br>
+              <a:rPr lang="en-US" sz="4000" dirty="0">
+                <a:solidFill>
+                  <a:srgbClr val="FFFFFF"/>
+                </a:solidFill>
+              </a:rPr>
+            </a:br>
+            <a:endParaRPr lang="en-US" sz="4000" dirty="0">
+              <a:solidFill>
+                <a:srgbClr val="FFFFFF"/>
+              </a:solidFill>
+            </a:endParaRPr>
+          </a:p>
+        </p:txBody>
+      </p:sp>
+      <p:sp>
+        <p:nvSpPr>
+          <p:cNvPr id="2" name="TextBox 1">
+            <a:extLst>
+              <a:ext uri="{FF2B5EF4-FFF2-40B4-BE49-F238E27FC236}">
+                <a16:creationId xmlns:a16="http://schemas.microsoft.com/office/drawing/2014/main" id="{FB557098-F015-401A-81AF-096096E5F15F}"/>
+              </a:ext>
+            </a:extLst>
+          </p:cNvPr>
+          <p:cNvSpPr txBox="1"/>
+          <p:nvPr/>
+        </p:nvSpPr>
+        <p:spPr>
+          <a:xfrm>
+            <a:off x="9417098" y="2673532"/>
+            <a:ext cx="2753451" cy="2585323"/>
+          </a:xfrm>
+          <a:prstGeom prst="rect">
+            <a:avLst/>
+          </a:prstGeom>
+          <a:noFill/>
+        </p:spPr>
+        <p:txBody>
+          <a:bodyPr wrap="square" rtlCol="0">
+            <a:spAutoFit/>
+          </a:bodyPr>
+          <a:lstStyle/>
+          <a:p>
+            <a:pPr marL="285750" indent="-285750">
+              <a:buFont typeface="Arial" panose="020B0604020202020204" pitchFamily="34" charset="0"/>
+              <a:buChar char="•"/>
+            </a:pPr>
+            <a:r>
+              <a:rPr lang="en-US" dirty="0">
+                <a:solidFill>
+                  <a:schemeClr val="bg1"/>
+                </a:solidFill>
+              </a:rPr>
+              <a:t>What’s driving the differences with neighboring stations?</a:t>
+            </a:r>
+          </a:p>
+          <a:p>
+            <a:pPr marL="285750" indent="-285750">
+              <a:buFont typeface="Arial" panose="020B0604020202020204" pitchFamily="34" charset="0"/>
+              <a:buChar char="•"/>
+            </a:pPr>
+            <a:r>
+              <a:rPr lang="en-US" dirty="0">
+                <a:solidFill>
+                  <a:schemeClr val="bg1"/>
+                </a:solidFill>
+              </a:rPr>
+              <a:t>How many incidents that result in long travel times are outside vs inside the district/neighborhood for that station?</a:t>
+            </a:r>
+          </a:p>
+        </p:txBody>
+      </p:sp>
     </p:spTree>
     <p:extLst>
       <p:ext uri="{BB962C8B-B14F-4D97-AF65-F5344CB8AC3E}">
